--- a/321-DOM의 기초/321-1.DOM의 기초.pptx
+++ b/321-DOM의 기초/321-1.DOM의 기초.pptx
@@ -341,7 +341,7 @@
           <a:p>
             <a:fld id="{5FEAFABF-FCCA-4709-BD08-3563D96B9096}" type="datetimeFigureOut">
               <a:rPr lang="ko-KR" altLang="en-US" smtClean="0"/>
-              <a:t>2023-05-21</a:t>
+              <a:t>2023-05-25</a:t>
             </a:fld>
             <a:endParaRPr lang="ko-KR" altLang="en-US"/>
           </a:p>
@@ -539,7 +539,7 @@
           <a:p>
             <a:fld id="{5FEAFABF-FCCA-4709-BD08-3563D96B9096}" type="datetimeFigureOut">
               <a:rPr lang="ko-KR" altLang="en-US" smtClean="0"/>
-              <a:t>2023-05-21</a:t>
+              <a:t>2023-05-25</a:t>
             </a:fld>
             <a:endParaRPr lang="ko-KR" altLang="en-US"/>
           </a:p>
@@ -747,7 +747,7 @@
           <a:p>
             <a:fld id="{5FEAFABF-FCCA-4709-BD08-3563D96B9096}" type="datetimeFigureOut">
               <a:rPr lang="ko-KR" altLang="en-US" smtClean="0"/>
-              <a:t>2023-05-21</a:t>
+              <a:t>2023-05-25</a:t>
             </a:fld>
             <a:endParaRPr lang="ko-KR" altLang="en-US"/>
           </a:p>
@@ -945,7 +945,7 @@
           <a:p>
             <a:fld id="{5FEAFABF-FCCA-4709-BD08-3563D96B9096}" type="datetimeFigureOut">
               <a:rPr lang="ko-KR" altLang="en-US" smtClean="0"/>
-              <a:t>2023-05-21</a:t>
+              <a:t>2023-05-25</a:t>
             </a:fld>
             <a:endParaRPr lang="ko-KR" altLang="en-US"/>
           </a:p>
@@ -1220,7 +1220,7 @@
           <a:p>
             <a:fld id="{5FEAFABF-FCCA-4709-BD08-3563D96B9096}" type="datetimeFigureOut">
               <a:rPr lang="ko-KR" altLang="en-US" smtClean="0"/>
-              <a:t>2023-05-21</a:t>
+              <a:t>2023-05-25</a:t>
             </a:fld>
             <a:endParaRPr lang="ko-KR" altLang="en-US"/>
           </a:p>
@@ -1485,7 +1485,7 @@
           <a:p>
             <a:fld id="{5FEAFABF-FCCA-4709-BD08-3563D96B9096}" type="datetimeFigureOut">
               <a:rPr lang="ko-KR" altLang="en-US" smtClean="0"/>
-              <a:t>2023-05-21</a:t>
+              <a:t>2023-05-25</a:t>
             </a:fld>
             <a:endParaRPr lang="ko-KR" altLang="en-US"/>
           </a:p>
@@ -1897,7 +1897,7 @@
           <a:p>
             <a:fld id="{5FEAFABF-FCCA-4709-BD08-3563D96B9096}" type="datetimeFigureOut">
               <a:rPr lang="ko-KR" altLang="en-US" smtClean="0"/>
-              <a:t>2023-05-21</a:t>
+              <a:t>2023-05-25</a:t>
             </a:fld>
             <a:endParaRPr lang="ko-KR" altLang="en-US"/>
           </a:p>
@@ -2038,7 +2038,7 @@
           <a:p>
             <a:fld id="{5FEAFABF-FCCA-4709-BD08-3563D96B9096}" type="datetimeFigureOut">
               <a:rPr lang="ko-KR" altLang="en-US" smtClean="0"/>
-              <a:t>2023-05-21</a:t>
+              <a:t>2023-05-25</a:t>
             </a:fld>
             <a:endParaRPr lang="ko-KR" altLang="en-US"/>
           </a:p>
@@ -2151,7 +2151,7 @@
           <a:p>
             <a:fld id="{5FEAFABF-FCCA-4709-BD08-3563D96B9096}" type="datetimeFigureOut">
               <a:rPr lang="ko-KR" altLang="en-US" smtClean="0"/>
-              <a:t>2023-05-21</a:t>
+              <a:t>2023-05-25</a:t>
             </a:fld>
             <a:endParaRPr lang="ko-KR" altLang="en-US"/>
           </a:p>
@@ -2462,7 +2462,7 @@
           <a:p>
             <a:fld id="{5FEAFABF-FCCA-4709-BD08-3563D96B9096}" type="datetimeFigureOut">
               <a:rPr lang="ko-KR" altLang="en-US" smtClean="0"/>
-              <a:t>2023-05-21</a:t>
+              <a:t>2023-05-25</a:t>
             </a:fld>
             <a:endParaRPr lang="ko-KR" altLang="en-US"/>
           </a:p>
@@ -2750,7 +2750,7 @@
           <a:p>
             <a:fld id="{5FEAFABF-FCCA-4709-BD08-3563D96B9096}" type="datetimeFigureOut">
               <a:rPr lang="ko-KR" altLang="en-US" smtClean="0"/>
-              <a:t>2023-05-21</a:t>
+              <a:t>2023-05-25</a:t>
             </a:fld>
             <a:endParaRPr lang="ko-KR" altLang="en-US"/>
           </a:p>
@@ -2991,7 +2991,7 @@
           <a:p>
             <a:fld id="{5FEAFABF-FCCA-4709-BD08-3563D96B9096}" type="datetimeFigureOut">
               <a:rPr lang="ko-KR" altLang="en-US" smtClean="0"/>
-              <a:t>2023-05-21</a:t>
+              <a:t>2023-05-25</a:t>
             </a:fld>
             <a:endParaRPr lang="ko-KR" altLang="en-US"/>
           </a:p>
@@ -8114,7 +8114,7 @@
         </p:blipFill>
         <p:spPr>
           <a:xfrm>
-            <a:off x="7871406" y="2524525"/>
+            <a:off x="7697235" y="2486846"/>
             <a:ext cx="4105848" cy="2343477"/>
           </a:xfrm>
           <a:prstGeom prst="rect">
